--- a/some result.pptx
+++ b/some result.pptx
@@ -11,8 +11,8 @@
     <p:sldId id="256" r:id="rId2"/>
     <p:sldId id="257" r:id="rId3"/>
     <p:sldId id="258" r:id="rId4"/>
-    <p:sldId id="260" r:id="rId5"/>
-    <p:sldId id="259" r:id="rId6"/>
+    <p:sldId id="259" r:id="rId5"/>
+    <p:sldId id="260" r:id="rId6"/>
   </p:sldIdLst>
   <p:sldSz cx="12192000" cy="6858000"/>
   <p:notesSz cx="6858000" cy="9144000"/>
@@ -123,11 +123,14 @@
         <p14:section name="未命名的章節" id="{CDA3BC6F-8C5B-4733-9574-99DE6E04A9DC}">
           <p14:sldIdLst>
             <p14:sldId id="258"/>
+            <p14:sldId id="259"/>
             <p14:sldId id="260"/>
-            <p14:sldId id="259"/>
           </p14:sldIdLst>
         </p14:section>
       </p14:sectionLst>
+    </p:ext>
+    <p:ext uri="{EFAFB233-063F-42B5-8137-9DF3F51BA10A}">
+      <p15:sldGuideLst xmlns:p15="http://schemas.microsoft.com/office/powerpoint/2012/main"/>
     </p:ext>
   </p:extLst>
 </p:presentation>
@@ -641,6 +644,174 @@
     <p:extLst>
       <p:ext uri="{BB962C8B-B14F-4D97-AF65-F5344CB8AC3E}">
         <p14:creationId xmlns:p14="http://schemas.microsoft.com/office/powerpoint/2010/main" val="2121211852"/>
+      </p:ext>
+    </p:extLst>
+  </p:cSld>
+  <p:clrMapOvr>
+    <a:masterClrMapping/>
+  </p:clrMapOvr>
+</p:notes>
+</file>
+
+<file path=ppt/notesSlides/notesSlide3.xml><?xml version="1.0" encoding="utf-8"?>
+<p:notes xmlns:a="http://schemas.openxmlformats.org/drawingml/2006/main" xmlns:r="http://schemas.openxmlformats.org/officeDocument/2006/relationships" xmlns:p="http://schemas.openxmlformats.org/presentationml/2006/main">
+  <p:cSld>
+    <p:spTree>
+      <p:nvGrpSpPr>
+        <p:cNvPr id="1" name=""/>
+        <p:cNvGrpSpPr/>
+        <p:nvPr/>
+      </p:nvGrpSpPr>
+      <p:grpSpPr>
+        <a:xfrm>
+          <a:off x="0" y="0"/>
+          <a:ext cx="0" cy="0"/>
+          <a:chOff x="0" y="0"/>
+          <a:chExt cx="0" cy="0"/>
+        </a:xfrm>
+      </p:grpSpPr>
+      <p:sp>
+        <p:nvSpPr>
+          <p:cNvPr id="2" name="投影片影像版面配置區 1"/>
+          <p:cNvSpPr>
+            <a:spLocks noGrp="1" noRot="1" noChangeAspect="1"/>
+          </p:cNvSpPr>
+          <p:nvPr>
+            <p:ph type="sldImg"/>
+          </p:nvPr>
+        </p:nvSpPr>
+        <p:spPr/>
+      </p:sp>
+      <p:sp>
+        <p:nvSpPr>
+          <p:cNvPr id="3" name="備忘稿版面配置區 2"/>
+          <p:cNvSpPr>
+            <a:spLocks noGrp="1"/>
+          </p:cNvSpPr>
+          <p:nvPr>
+            <p:ph type="body" idx="1"/>
+          </p:nvPr>
+        </p:nvSpPr>
+        <p:spPr/>
+        <p:txBody>
+          <a:bodyPr/>
+          <a:lstStyle/>
+          <a:p>
+            <a:endParaRPr lang="zh-TW" altLang="en-US" dirty="0"/>
+          </a:p>
+        </p:txBody>
+      </p:sp>
+      <p:sp>
+        <p:nvSpPr>
+          <p:cNvPr id="4" name="投影片編號版面配置區 3"/>
+          <p:cNvSpPr>
+            <a:spLocks noGrp="1"/>
+          </p:cNvSpPr>
+          <p:nvPr>
+            <p:ph type="sldNum" sz="quarter" idx="5"/>
+          </p:nvPr>
+        </p:nvSpPr>
+        <p:spPr/>
+        <p:txBody>
+          <a:bodyPr/>
+          <a:lstStyle/>
+          <a:p>
+            <a:fld id="{82953BD8-F477-4BA7-A181-7008ABC89A27}" type="slidenum">
+              <a:rPr lang="zh-TW" altLang="en-US" smtClean="0"/>
+              <a:t>4</a:t>
+            </a:fld>
+            <a:endParaRPr lang="zh-TW" altLang="en-US"/>
+          </a:p>
+        </p:txBody>
+      </p:sp>
+    </p:spTree>
+    <p:extLst>
+      <p:ext uri="{BB962C8B-B14F-4D97-AF65-F5344CB8AC3E}">
+        <p14:creationId xmlns:p14="http://schemas.microsoft.com/office/powerpoint/2010/main" val="2436806446"/>
+      </p:ext>
+    </p:extLst>
+  </p:cSld>
+  <p:clrMapOvr>
+    <a:masterClrMapping/>
+  </p:clrMapOvr>
+</p:notes>
+</file>
+
+<file path=ppt/notesSlides/notesSlide4.xml><?xml version="1.0" encoding="utf-8"?>
+<p:notes xmlns:a="http://schemas.openxmlformats.org/drawingml/2006/main" xmlns:r="http://schemas.openxmlformats.org/officeDocument/2006/relationships" xmlns:p="http://schemas.openxmlformats.org/presentationml/2006/main">
+  <p:cSld>
+    <p:spTree>
+      <p:nvGrpSpPr>
+        <p:cNvPr id="1" name=""/>
+        <p:cNvGrpSpPr/>
+        <p:nvPr/>
+      </p:nvGrpSpPr>
+      <p:grpSpPr>
+        <a:xfrm>
+          <a:off x="0" y="0"/>
+          <a:ext cx="0" cy="0"/>
+          <a:chOff x="0" y="0"/>
+          <a:chExt cx="0" cy="0"/>
+        </a:xfrm>
+      </p:grpSpPr>
+      <p:sp>
+        <p:nvSpPr>
+          <p:cNvPr id="2" name="投影片影像版面配置區 1"/>
+          <p:cNvSpPr>
+            <a:spLocks noGrp="1" noRot="1" noChangeAspect="1"/>
+          </p:cNvSpPr>
+          <p:nvPr>
+            <p:ph type="sldImg"/>
+          </p:nvPr>
+        </p:nvSpPr>
+        <p:spPr/>
+      </p:sp>
+      <p:sp>
+        <p:nvSpPr>
+          <p:cNvPr id="3" name="備忘稿版面配置區 2"/>
+          <p:cNvSpPr>
+            <a:spLocks noGrp="1"/>
+          </p:cNvSpPr>
+          <p:nvPr>
+            <p:ph type="body" idx="1"/>
+          </p:nvPr>
+        </p:nvSpPr>
+        <p:spPr/>
+        <p:txBody>
+          <a:bodyPr/>
+          <a:lstStyle/>
+          <a:p>
+            <a:endParaRPr lang="zh-TW" altLang="en-US" dirty="0"/>
+          </a:p>
+        </p:txBody>
+      </p:sp>
+      <p:sp>
+        <p:nvSpPr>
+          <p:cNvPr id="4" name="投影片編號版面配置區 3"/>
+          <p:cNvSpPr>
+            <a:spLocks noGrp="1"/>
+          </p:cNvSpPr>
+          <p:nvPr>
+            <p:ph type="sldNum" sz="quarter" idx="5"/>
+          </p:nvPr>
+        </p:nvSpPr>
+        <p:spPr/>
+        <p:txBody>
+          <a:bodyPr/>
+          <a:lstStyle/>
+          <a:p>
+            <a:fld id="{82953BD8-F477-4BA7-A181-7008ABC89A27}" type="slidenum">
+              <a:rPr lang="zh-TW" altLang="en-US" smtClean="0"/>
+              <a:t>5</a:t>
+            </a:fld>
+            <a:endParaRPr lang="zh-TW" altLang="en-US"/>
+          </a:p>
+        </p:txBody>
+      </p:sp>
+    </p:spTree>
+    <p:extLst>
+      <p:ext uri="{BB962C8B-B14F-4D97-AF65-F5344CB8AC3E}">
+        <p14:creationId xmlns:p14="http://schemas.microsoft.com/office/powerpoint/2010/main" val="670840037"/>
       </p:ext>
     </p:extLst>
   </p:cSld>
@@ -4172,58 +4343,125 @@
       </p:grpSpPr>
       <p:sp>
         <p:nvSpPr>
-          <p:cNvPr id="2" name="標題 1">
-            <a:extLst>
-              <a:ext uri="{FF2B5EF4-FFF2-40B4-BE49-F238E27FC236}">
-                <a16:creationId xmlns:a16="http://schemas.microsoft.com/office/drawing/2014/main" id="{8679AE48-8316-476F-815B-4F7D0B44B1F3}"/>
-              </a:ext>
-            </a:extLst>
-          </p:cNvPr>
-          <p:cNvSpPr>
-            <a:spLocks noGrp="1"/>
-          </p:cNvSpPr>
-          <p:nvPr>
-            <p:ph type="title"/>
-          </p:nvPr>
-        </p:nvSpPr>
-        <p:spPr/>
-        <p:txBody>
-          <a:bodyPr/>
-          <a:lstStyle/>
-          <a:p>
-            <a:endParaRPr lang="zh-TW" altLang="en-US"/>
-          </a:p>
-        </p:txBody>
-      </p:sp>
-      <p:sp>
-        <p:nvSpPr>
-          <p:cNvPr id="3" name="內容版面配置區 2">
-            <a:extLst>
-              <a:ext uri="{FF2B5EF4-FFF2-40B4-BE49-F238E27FC236}">
-                <a16:creationId xmlns:a16="http://schemas.microsoft.com/office/drawing/2014/main" id="{3307F35C-FC8A-4F1C-BEA8-72554D9E7679}"/>
-              </a:ext>
-            </a:extLst>
-          </p:cNvPr>
-          <p:cNvSpPr>
-            <a:spLocks noGrp="1"/>
-          </p:cNvSpPr>
-          <p:nvPr>
-            <p:ph idx="1"/>
-          </p:nvPr>
-        </p:nvSpPr>
-        <p:spPr/>
-        <p:txBody>
-          <a:bodyPr/>
-          <a:lstStyle/>
-          <a:p>
-            <a:endParaRPr lang="zh-TW" altLang="en-US"/>
+          <p:cNvPr id="5" name="文字方塊 4">
+            <a:extLst>
+              <a:ext uri="{FF2B5EF4-FFF2-40B4-BE49-F238E27FC236}">
+                <a16:creationId xmlns:a16="http://schemas.microsoft.com/office/drawing/2014/main" id="{04A133A1-B746-4D04-949B-3910B3633D76}"/>
+              </a:ext>
+            </a:extLst>
+          </p:cNvPr>
+          <p:cNvSpPr txBox="1"/>
+          <p:nvPr/>
+        </p:nvSpPr>
+        <p:spPr>
+          <a:xfrm>
+            <a:off x="2693323" y="1163782"/>
+            <a:ext cx="3330105" cy="1477328"/>
+          </a:xfrm>
+          <a:prstGeom prst="rect">
+            <a:avLst/>
+          </a:prstGeom>
+          <a:noFill/>
+        </p:spPr>
+        <p:txBody>
+          <a:bodyPr wrap="square" rtlCol="0">
+            <a:spAutoFit/>
+          </a:bodyPr>
+          <a:lstStyle/>
+          <a:p>
+            <a:r>
+              <a:rPr lang="en-US" altLang="zh-TW" dirty="0" err="1"/>
+              <a:t>Lnk.path</a:t>
+            </a:r>
+            <a:endParaRPr lang="en-US" altLang="zh-TW" dirty="0"/>
+          </a:p>
+          <a:p>
+            <a:endParaRPr lang="en-US" altLang="zh-TW" dirty="0"/>
+          </a:p>
+          <a:p>
+            <a:endParaRPr lang="en-US" altLang="zh-TW" dirty="0"/>
+          </a:p>
+          <a:p>
+            <a:r>
+              <a:rPr lang="zh-TW" altLang="en-US" dirty="0"/>
+              <a:t>雖然人類看不懂，但至少它將會是固定的</a:t>
+            </a:r>
+          </a:p>
+        </p:txBody>
+      </p:sp>
+      <p:pic>
+        <p:nvPicPr>
+          <p:cNvPr id="2" name="圖片 1">
+            <a:extLst>
+              <a:ext uri="{FF2B5EF4-FFF2-40B4-BE49-F238E27FC236}">
+                <a16:creationId xmlns:a16="http://schemas.microsoft.com/office/drawing/2014/main" id="{309DF443-9957-4AD9-834A-CE4DA6E47533}"/>
+              </a:ext>
+            </a:extLst>
+          </p:cNvPr>
+          <p:cNvPicPr>
+            <a:picLocks noChangeAspect="1"/>
+          </p:cNvPicPr>
+          <p:nvPr/>
+        </p:nvPicPr>
+        <p:blipFill>
+          <a:blip r:embed="rId3"/>
+          <a:stretch>
+            <a:fillRect/>
+          </a:stretch>
+        </p:blipFill>
+        <p:spPr>
+          <a:xfrm>
+            <a:off x="708076" y="2687379"/>
+            <a:ext cx="5753903" cy="438211"/>
+          </a:xfrm>
+          <a:prstGeom prst="rect">
+            <a:avLst/>
+          </a:prstGeom>
+        </p:spPr>
+      </p:pic>
+      <p:sp>
+        <p:nvSpPr>
+          <p:cNvPr id="4" name="文字方塊 3">
+            <a:extLst>
+              <a:ext uri="{FF2B5EF4-FFF2-40B4-BE49-F238E27FC236}">
+                <a16:creationId xmlns:a16="http://schemas.microsoft.com/office/drawing/2014/main" id="{90E5C306-654D-4522-B250-2DBF8E75C28F}"/>
+              </a:ext>
+            </a:extLst>
+          </p:cNvPr>
+          <p:cNvSpPr txBox="1"/>
+          <p:nvPr/>
+        </p:nvSpPr>
+        <p:spPr>
+          <a:xfrm>
+            <a:off x="3391593" y="4788131"/>
+            <a:ext cx="3330105" cy="369332"/>
+          </a:xfrm>
+          <a:prstGeom prst="rect">
+            <a:avLst/>
+          </a:prstGeom>
+          <a:noFill/>
+        </p:spPr>
+        <p:txBody>
+          <a:bodyPr wrap="square" rtlCol="0">
+            <a:spAutoFit/>
+          </a:bodyPr>
+          <a:lstStyle/>
+          <a:p>
+            <a:r>
+              <a:rPr lang="zh-TW" altLang="en-US" dirty="0">
+                <a:highlight>
+                  <a:srgbClr val="FFFF00"/>
+                </a:highlight>
+              </a:rPr>
+              <a:t>放棄</a:t>
+            </a:r>
           </a:p>
         </p:txBody>
       </p:sp>
     </p:spTree>
     <p:extLst>
       <p:ext uri="{BB962C8B-B14F-4D97-AF65-F5344CB8AC3E}">
-        <p14:creationId xmlns:p14="http://schemas.microsoft.com/office/powerpoint/2010/main" val="3808088098"/>
+        <p14:creationId xmlns:p14="http://schemas.microsoft.com/office/powerpoint/2010/main" val="2206699656"/>
       </p:ext>
     </p:extLst>
   </p:cSld>
@@ -4250,60 +4488,164 @@
           <a:chExt cx="0" cy="0"/>
         </a:xfrm>
       </p:grpSpPr>
-      <p:sp>
-        <p:nvSpPr>
-          <p:cNvPr id="2" name="標題 1">
-            <a:extLst>
-              <a:ext uri="{FF2B5EF4-FFF2-40B4-BE49-F238E27FC236}">
-                <a16:creationId xmlns:a16="http://schemas.microsoft.com/office/drawing/2014/main" id="{508457B3-944F-4A52-975D-0D8C718F40D5}"/>
-              </a:ext>
-            </a:extLst>
-          </p:cNvPr>
-          <p:cNvSpPr>
-            <a:spLocks noGrp="1"/>
-          </p:cNvSpPr>
-          <p:nvPr>
-            <p:ph type="title"/>
-          </p:nvPr>
-        </p:nvSpPr>
-        <p:spPr/>
-        <p:txBody>
-          <a:bodyPr/>
-          <a:lstStyle/>
-          <a:p>
-            <a:endParaRPr lang="zh-TW" altLang="en-US"/>
-          </a:p>
-        </p:txBody>
-      </p:sp>
-      <p:sp>
-        <p:nvSpPr>
-          <p:cNvPr id="3" name="內容版面配置區 2">
-            <a:extLst>
-              <a:ext uri="{FF2B5EF4-FFF2-40B4-BE49-F238E27FC236}">
-                <a16:creationId xmlns:a16="http://schemas.microsoft.com/office/drawing/2014/main" id="{BB75A318-57E2-43D9-961D-B99F77C9339A}"/>
-              </a:ext>
-            </a:extLst>
-          </p:cNvPr>
-          <p:cNvSpPr>
-            <a:spLocks noGrp="1"/>
-          </p:cNvSpPr>
-          <p:nvPr>
-            <p:ph idx="1"/>
-          </p:nvPr>
-        </p:nvSpPr>
-        <p:spPr/>
-        <p:txBody>
-          <a:bodyPr/>
-          <a:lstStyle/>
-          <a:p>
-            <a:endParaRPr lang="zh-TW" altLang="en-US"/>
-          </a:p>
-        </p:txBody>
-      </p:sp>
+      <p:pic>
+        <p:nvPicPr>
+          <p:cNvPr id="3" name="圖片 2">
+            <a:extLst>
+              <a:ext uri="{FF2B5EF4-FFF2-40B4-BE49-F238E27FC236}">
+                <a16:creationId xmlns:a16="http://schemas.microsoft.com/office/drawing/2014/main" id="{A4A49B27-19E6-44B5-AFF5-91ACBC82214F}"/>
+              </a:ext>
+            </a:extLst>
+          </p:cNvPr>
+          <p:cNvPicPr>
+            <a:picLocks noChangeAspect="1"/>
+          </p:cNvPicPr>
+          <p:nvPr/>
+        </p:nvPicPr>
+        <p:blipFill>
+          <a:blip r:embed="rId3"/>
+          <a:stretch>
+            <a:fillRect/>
+          </a:stretch>
+        </p:blipFill>
+        <p:spPr>
+          <a:xfrm>
+            <a:off x="955945" y="4467507"/>
+            <a:ext cx="5220429" cy="1867161"/>
+          </a:xfrm>
+          <a:prstGeom prst="rect">
+            <a:avLst/>
+          </a:prstGeom>
+        </p:spPr>
+      </p:pic>
+      <p:sp>
+        <p:nvSpPr>
+          <p:cNvPr id="5" name="文字方塊 4">
+            <a:extLst>
+              <a:ext uri="{FF2B5EF4-FFF2-40B4-BE49-F238E27FC236}">
+                <a16:creationId xmlns:a16="http://schemas.microsoft.com/office/drawing/2014/main" id="{04A133A1-B746-4D04-949B-3910B3633D76}"/>
+              </a:ext>
+            </a:extLst>
+          </p:cNvPr>
+          <p:cNvSpPr txBox="1"/>
+          <p:nvPr/>
+        </p:nvSpPr>
+        <p:spPr>
+          <a:xfrm>
+            <a:off x="2693323" y="1163782"/>
+            <a:ext cx="3330105" cy="369332"/>
+          </a:xfrm>
+          <a:prstGeom prst="rect">
+            <a:avLst/>
+          </a:prstGeom>
+          <a:noFill/>
+        </p:spPr>
+        <p:txBody>
+          <a:bodyPr wrap="square" rtlCol="0">
+            <a:spAutoFit/>
+          </a:bodyPr>
+          <a:lstStyle/>
+          <a:p>
+            <a:r>
+              <a:rPr lang="en-US" altLang="zh-TW" dirty="0"/>
+              <a:t>Modified time </a:t>
+            </a:r>
+            <a:r>
+              <a:rPr lang="zh-TW" altLang="en-US" dirty="0"/>
+              <a:t>定義有問題</a:t>
+            </a:r>
+          </a:p>
+        </p:txBody>
+      </p:sp>
+      <p:sp>
+        <p:nvSpPr>
+          <p:cNvPr id="4" name="文字方塊 3">
+            <a:extLst>
+              <a:ext uri="{FF2B5EF4-FFF2-40B4-BE49-F238E27FC236}">
+                <a16:creationId xmlns:a16="http://schemas.microsoft.com/office/drawing/2014/main" id="{90E5C306-654D-4522-B250-2DBF8E75C28F}"/>
+              </a:ext>
+            </a:extLst>
+          </p:cNvPr>
+          <p:cNvSpPr txBox="1"/>
+          <p:nvPr/>
+        </p:nvSpPr>
+        <p:spPr>
+          <a:xfrm>
+            <a:off x="5810596" y="3895571"/>
+            <a:ext cx="3330105" cy="369332"/>
+          </a:xfrm>
+          <a:prstGeom prst="rect">
+            <a:avLst/>
+          </a:prstGeom>
+          <a:noFill/>
+        </p:spPr>
+        <p:txBody>
+          <a:bodyPr wrap="square" rtlCol="0">
+            <a:spAutoFit/>
+          </a:bodyPr>
+          <a:lstStyle/>
+          <a:p>
+            <a:r>
+              <a:rPr lang="zh-TW" altLang="en-US" dirty="0">
+                <a:highlight>
+                  <a:srgbClr val="FFFF00"/>
+                </a:highlight>
+              </a:rPr>
+              <a:t>來自 </a:t>
+            </a:r>
+            <a:r>
+              <a:rPr lang="en-US" altLang="zh-TW" dirty="0">
+                <a:highlight>
+                  <a:srgbClr val="FFFF00"/>
+                </a:highlight>
+              </a:rPr>
+              <a:t>pylnk3 </a:t>
+            </a:r>
+            <a:r>
+              <a:rPr lang="zh-TW" altLang="en-US" dirty="0">
+                <a:highlight>
+                  <a:srgbClr val="FFFF00"/>
+                </a:highlight>
+              </a:rPr>
+              <a:t>主要程式</a:t>
+            </a:r>
+          </a:p>
+        </p:txBody>
+      </p:sp>
+      <p:pic>
+        <p:nvPicPr>
+          <p:cNvPr id="6" name="圖片 5">
+            <a:extLst>
+              <a:ext uri="{FF2B5EF4-FFF2-40B4-BE49-F238E27FC236}">
+                <a16:creationId xmlns:a16="http://schemas.microsoft.com/office/drawing/2014/main" id="{83493FCE-CCC2-41FE-8A0F-B8A05C8BC6FE}"/>
+              </a:ext>
+            </a:extLst>
+          </p:cNvPr>
+          <p:cNvPicPr>
+            <a:picLocks noChangeAspect="1"/>
+          </p:cNvPicPr>
+          <p:nvPr/>
+        </p:nvPicPr>
+        <p:blipFill>
+          <a:blip r:embed="rId4"/>
+          <a:stretch>
+            <a:fillRect/>
+          </a:stretch>
+        </p:blipFill>
+        <p:spPr>
+          <a:xfrm>
+            <a:off x="1411253" y="1700537"/>
+            <a:ext cx="4612175" cy="1992431"/>
+          </a:xfrm>
+          <a:prstGeom prst="rect">
+            <a:avLst/>
+          </a:prstGeom>
+        </p:spPr>
+      </p:pic>
     </p:spTree>
     <p:extLst>
       <p:ext uri="{BB962C8B-B14F-4D97-AF65-F5344CB8AC3E}">
-        <p14:creationId xmlns:p14="http://schemas.microsoft.com/office/powerpoint/2010/main" val="1647753161"/>
+        <p14:creationId xmlns:p14="http://schemas.microsoft.com/office/powerpoint/2010/main" val="2032732583"/>
       </p:ext>
     </p:extLst>
   </p:cSld>

--- a/some result.pptx
+++ b/some result.pptx
@@ -5,7 +5,7 @@
     <p:sldMasterId id="2147483648" r:id="rId1"/>
   </p:sldMasterIdLst>
   <p:notesMasterIdLst>
-    <p:notesMasterId r:id="rId7"/>
+    <p:notesMasterId r:id="rId9"/>
   </p:notesMasterIdLst>
   <p:sldIdLst>
     <p:sldId id="256" r:id="rId2"/>
@@ -13,6 +13,8 @@
     <p:sldId id="258" r:id="rId4"/>
     <p:sldId id="259" r:id="rId5"/>
     <p:sldId id="260" r:id="rId6"/>
+    <p:sldId id="261" r:id="rId7"/>
+    <p:sldId id="262" r:id="rId8"/>
   </p:sldIdLst>
   <p:sldSz cx="12192000" cy="6858000"/>
   <p:notesSz cx="6858000" cy="9144000"/>
@@ -127,6 +129,12 @@
             <p14:sldId id="260"/>
           </p14:sldIdLst>
         </p14:section>
+        <p14:section name="重新思考流程" id="{AE8A7D53-C5B4-4D13-B1D5-646459968FD1}">
+          <p14:sldIdLst>
+            <p14:sldId id="261"/>
+            <p14:sldId id="262"/>
+          </p14:sldIdLst>
+        </p14:section>
       </p14:sectionLst>
     </p:ext>
     <p:ext uri="{EFAFB233-063F-42B5-8137-9DF3F51BA10A}">
@@ -218,7 +226,7 @@
           <a:p>
             <a:fld id="{E2A354A6-2D8F-4666-B539-A4771FD4BEED}" type="datetimeFigureOut">
               <a:rPr lang="zh-TW" altLang="en-US" smtClean="0"/>
-              <a:t>2022/10/27</a:t>
+              <a:t>2022/10/30</a:t>
             </a:fld>
             <a:endParaRPr lang="zh-TW" altLang="en-US"/>
           </a:p>
@@ -821,6 +829,174 @@
 </p:notes>
 </file>
 
+<file path=ppt/notesSlides/notesSlide5.xml><?xml version="1.0" encoding="utf-8"?>
+<p:notes xmlns:a="http://schemas.openxmlformats.org/drawingml/2006/main" xmlns:r="http://schemas.openxmlformats.org/officeDocument/2006/relationships" xmlns:p="http://schemas.openxmlformats.org/presentationml/2006/main">
+  <p:cSld>
+    <p:spTree>
+      <p:nvGrpSpPr>
+        <p:cNvPr id="1" name=""/>
+        <p:cNvGrpSpPr/>
+        <p:nvPr/>
+      </p:nvGrpSpPr>
+      <p:grpSpPr>
+        <a:xfrm>
+          <a:off x="0" y="0"/>
+          <a:ext cx="0" cy="0"/>
+          <a:chOff x="0" y="0"/>
+          <a:chExt cx="0" cy="0"/>
+        </a:xfrm>
+      </p:grpSpPr>
+      <p:sp>
+        <p:nvSpPr>
+          <p:cNvPr id="2" name="投影片影像版面配置區 1"/>
+          <p:cNvSpPr>
+            <a:spLocks noGrp="1" noRot="1" noChangeAspect="1"/>
+          </p:cNvSpPr>
+          <p:nvPr>
+            <p:ph type="sldImg"/>
+          </p:nvPr>
+        </p:nvSpPr>
+        <p:spPr/>
+      </p:sp>
+      <p:sp>
+        <p:nvSpPr>
+          <p:cNvPr id="3" name="備忘稿版面配置區 2"/>
+          <p:cNvSpPr>
+            <a:spLocks noGrp="1"/>
+          </p:cNvSpPr>
+          <p:nvPr>
+            <p:ph type="body" idx="1"/>
+          </p:nvPr>
+        </p:nvSpPr>
+        <p:spPr/>
+        <p:txBody>
+          <a:bodyPr/>
+          <a:lstStyle/>
+          <a:p>
+            <a:endParaRPr lang="zh-TW" altLang="en-US" dirty="0"/>
+          </a:p>
+        </p:txBody>
+      </p:sp>
+      <p:sp>
+        <p:nvSpPr>
+          <p:cNvPr id="4" name="投影片編號版面配置區 3"/>
+          <p:cNvSpPr>
+            <a:spLocks noGrp="1"/>
+          </p:cNvSpPr>
+          <p:nvPr>
+            <p:ph type="sldNum" sz="quarter" idx="5"/>
+          </p:nvPr>
+        </p:nvSpPr>
+        <p:spPr/>
+        <p:txBody>
+          <a:bodyPr/>
+          <a:lstStyle/>
+          <a:p>
+            <a:fld id="{82953BD8-F477-4BA7-A181-7008ABC89A27}" type="slidenum">
+              <a:rPr lang="zh-TW" altLang="en-US" smtClean="0"/>
+              <a:t>6</a:t>
+            </a:fld>
+            <a:endParaRPr lang="zh-TW" altLang="en-US"/>
+          </a:p>
+        </p:txBody>
+      </p:sp>
+    </p:spTree>
+    <p:extLst>
+      <p:ext uri="{BB962C8B-B14F-4D97-AF65-F5344CB8AC3E}">
+        <p14:creationId xmlns:p14="http://schemas.microsoft.com/office/powerpoint/2010/main" val="4084797253"/>
+      </p:ext>
+    </p:extLst>
+  </p:cSld>
+  <p:clrMapOvr>
+    <a:masterClrMapping/>
+  </p:clrMapOvr>
+</p:notes>
+</file>
+
+<file path=ppt/notesSlides/notesSlide6.xml><?xml version="1.0" encoding="utf-8"?>
+<p:notes xmlns:a="http://schemas.openxmlformats.org/drawingml/2006/main" xmlns:r="http://schemas.openxmlformats.org/officeDocument/2006/relationships" xmlns:p="http://schemas.openxmlformats.org/presentationml/2006/main">
+  <p:cSld>
+    <p:spTree>
+      <p:nvGrpSpPr>
+        <p:cNvPr id="1" name=""/>
+        <p:cNvGrpSpPr/>
+        <p:nvPr/>
+      </p:nvGrpSpPr>
+      <p:grpSpPr>
+        <a:xfrm>
+          <a:off x="0" y="0"/>
+          <a:ext cx="0" cy="0"/>
+          <a:chOff x="0" y="0"/>
+          <a:chExt cx="0" cy="0"/>
+        </a:xfrm>
+      </p:grpSpPr>
+      <p:sp>
+        <p:nvSpPr>
+          <p:cNvPr id="2" name="投影片影像版面配置區 1"/>
+          <p:cNvSpPr>
+            <a:spLocks noGrp="1" noRot="1" noChangeAspect="1"/>
+          </p:cNvSpPr>
+          <p:nvPr>
+            <p:ph type="sldImg"/>
+          </p:nvPr>
+        </p:nvSpPr>
+        <p:spPr/>
+      </p:sp>
+      <p:sp>
+        <p:nvSpPr>
+          <p:cNvPr id="3" name="備忘稿版面配置區 2"/>
+          <p:cNvSpPr>
+            <a:spLocks noGrp="1"/>
+          </p:cNvSpPr>
+          <p:nvPr>
+            <p:ph type="body" idx="1"/>
+          </p:nvPr>
+        </p:nvSpPr>
+        <p:spPr/>
+        <p:txBody>
+          <a:bodyPr/>
+          <a:lstStyle/>
+          <a:p>
+            <a:endParaRPr lang="zh-TW" altLang="en-US" dirty="0"/>
+          </a:p>
+        </p:txBody>
+      </p:sp>
+      <p:sp>
+        <p:nvSpPr>
+          <p:cNvPr id="4" name="投影片編號版面配置區 3"/>
+          <p:cNvSpPr>
+            <a:spLocks noGrp="1"/>
+          </p:cNvSpPr>
+          <p:nvPr>
+            <p:ph type="sldNum" sz="quarter" idx="5"/>
+          </p:nvPr>
+        </p:nvSpPr>
+        <p:spPr/>
+        <p:txBody>
+          <a:bodyPr/>
+          <a:lstStyle/>
+          <a:p>
+            <a:fld id="{82953BD8-F477-4BA7-A181-7008ABC89A27}" type="slidenum">
+              <a:rPr lang="zh-TW" altLang="en-US" smtClean="0"/>
+              <a:t>7</a:t>
+            </a:fld>
+            <a:endParaRPr lang="zh-TW" altLang="en-US"/>
+          </a:p>
+        </p:txBody>
+      </p:sp>
+    </p:spTree>
+    <p:extLst>
+      <p:ext uri="{BB962C8B-B14F-4D97-AF65-F5344CB8AC3E}">
+        <p14:creationId xmlns:p14="http://schemas.microsoft.com/office/powerpoint/2010/main" val="1218777021"/>
+      </p:ext>
+    </p:extLst>
+  </p:cSld>
+  <p:clrMapOvr>
+    <a:masterClrMapping/>
+  </p:clrMapOvr>
+</p:notes>
+</file>
+
 <file path=ppt/slideLayouts/slideLayout1.xml><?xml version="1.0" encoding="utf-8"?>
 <p:sldLayout xmlns:a="http://schemas.openxmlformats.org/drawingml/2006/main" xmlns:r="http://schemas.openxmlformats.org/officeDocument/2006/relationships" xmlns:p="http://schemas.openxmlformats.org/presentationml/2006/main" type="title" preserve="1">
   <p:cSld name="標題投影片">
@@ -968,7 +1144,7 @@
           <a:p>
             <a:fld id="{A2F2A36C-2B9F-4E4A-8340-D1DE71363FB8}" type="datetimeFigureOut">
               <a:rPr lang="zh-TW" altLang="en-US" smtClean="0"/>
-              <a:t>2022/10/27</a:t>
+              <a:t>2022/10/30</a:t>
             </a:fld>
             <a:endParaRPr lang="zh-TW" altLang="en-US"/>
           </a:p>
@@ -1166,7 +1342,7 @@
           <a:p>
             <a:fld id="{A2F2A36C-2B9F-4E4A-8340-D1DE71363FB8}" type="datetimeFigureOut">
               <a:rPr lang="zh-TW" altLang="en-US" smtClean="0"/>
-              <a:t>2022/10/27</a:t>
+              <a:t>2022/10/30</a:t>
             </a:fld>
             <a:endParaRPr lang="zh-TW" altLang="en-US"/>
           </a:p>
@@ -1374,7 +1550,7 @@
           <a:p>
             <a:fld id="{A2F2A36C-2B9F-4E4A-8340-D1DE71363FB8}" type="datetimeFigureOut">
               <a:rPr lang="zh-TW" altLang="en-US" smtClean="0"/>
-              <a:t>2022/10/27</a:t>
+              <a:t>2022/10/30</a:t>
             </a:fld>
             <a:endParaRPr lang="zh-TW" altLang="en-US"/>
           </a:p>
@@ -1572,7 +1748,7 @@
           <a:p>
             <a:fld id="{A2F2A36C-2B9F-4E4A-8340-D1DE71363FB8}" type="datetimeFigureOut">
               <a:rPr lang="zh-TW" altLang="en-US" smtClean="0"/>
-              <a:t>2022/10/27</a:t>
+              <a:t>2022/10/30</a:t>
             </a:fld>
             <a:endParaRPr lang="zh-TW" altLang="en-US"/>
           </a:p>
@@ -1847,7 +2023,7 @@
           <a:p>
             <a:fld id="{A2F2A36C-2B9F-4E4A-8340-D1DE71363FB8}" type="datetimeFigureOut">
               <a:rPr lang="zh-TW" altLang="en-US" smtClean="0"/>
-              <a:t>2022/10/27</a:t>
+              <a:t>2022/10/30</a:t>
             </a:fld>
             <a:endParaRPr lang="zh-TW" altLang="en-US"/>
           </a:p>
@@ -2112,7 +2288,7 @@
           <a:p>
             <a:fld id="{A2F2A36C-2B9F-4E4A-8340-D1DE71363FB8}" type="datetimeFigureOut">
               <a:rPr lang="zh-TW" altLang="en-US" smtClean="0"/>
-              <a:t>2022/10/27</a:t>
+              <a:t>2022/10/30</a:t>
             </a:fld>
             <a:endParaRPr lang="zh-TW" altLang="en-US"/>
           </a:p>
@@ -2524,7 +2700,7 @@
           <a:p>
             <a:fld id="{A2F2A36C-2B9F-4E4A-8340-D1DE71363FB8}" type="datetimeFigureOut">
               <a:rPr lang="zh-TW" altLang="en-US" smtClean="0"/>
-              <a:t>2022/10/27</a:t>
+              <a:t>2022/10/30</a:t>
             </a:fld>
             <a:endParaRPr lang="zh-TW" altLang="en-US"/>
           </a:p>
@@ -2665,7 +2841,7 @@
           <a:p>
             <a:fld id="{A2F2A36C-2B9F-4E4A-8340-D1DE71363FB8}" type="datetimeFigureOut">
               <a:rPr lang="zh-TW" altLang="en-US" smtClean="0"/>
-              <a:t>2022/10/27</a:t>
+              <a:t>2022/10/30</a:t>
             </a:fld>
             <a:endParaRPr lang="zh-TW" altLang="en-US"/>
           </a:p>
@@ -2778,7 +2954,7 @@
           <a:p>
             <a:fld id="{A2F2A36C-2B9F-4E4A-8340-D1DE71363FB8}" type="datetimeFigureOut">
               <a:rPr lang="zh-TW" altLang="en-US" smtClean="0"/>
-              <a:t>2022/10/27</a:t>
+              <a:t>2022/10/30</a:t>
             </a:fld>
             <a:endParaRPr lang="zh-TW" altLang="en-US"/>
           </a:p>
@@ -3089,7 +3265,7 @@
           <a:p>
             <a:fld id="{A2F2A36C-2B9F-4E4A-8340-D1DE71363FB8}" type="datetimeFigureOut">
               <a:rPr lang="zh-TW" altLang="en-US" smtClean="0"/>
-              <a:t>2022/10/27</a:t>
+              <a:t>2022/10/30</a:t>
             </a:fld>
             <a:endParaRPr lang="zh-TW" altLang="en-US"/>
           </a:p>
@@ -3377,7 +3553,7 @@
           <a:p>
             <a:fld id="{A2F2A36C-2B9F-4E4A-8340-D1DE71363FB8}" type="datetimeFigureOut">
               <a:rPr lang="zh-TW" altLang="en-US" smtClean="0"/>
-              <a:t>2022/10/27</a:t>
+              <a:t>2022/10/30</a:t>
             </a:fld>
             <a:endParaRPr lang="zh-TW" altLang="en-US"/>
           </a:p>
@@ -3618,7 +3794,7 @@
           <a:p>
             <a:fld id="{A2F2A36C-2B9F-4E4A-8340-D1DE71363FB8}" type="datetimeFigureOut">
               <a:rPr lang="zh-TW" altLang="en-US" smtClean="0"/>
-              <a:t>2022/10/27</a:t>
+              <a:t>2022/10/30</a:t>
             </a:fld>
             <a:endParaRPr lang="zh-TW" altLang="en-US"/>
           </a:p>
@@ -4642,10 +4818,812 @@
           </a:prstGeom>
         </p:spPr>
       </p:pic>
+      <p:pic>
+        <p:nvPicPr>
+          <p:cNvPr id="7" name="圖片 6">
+            <a:extLst>
+              <a:ext uri="{FF2B5EF4-FFF2-40B4-BE49-F238E27FC236}">
+                <a16:creationId xmlns:a16="http://schemas.microsoft.com/office/drawing/2014/main" id="{901077D7-52A1-4A10-A79B-BBBD4E1C04C8}"/>
+              </a:ext>
+            </a:extLst>
+          </p:cNvPr>
+          <p:cNvPicPr>
+            <a:picLocks noChangeAspect="1"/>
+          </p:cNvPicPr>
+          <p:nvPr/>
+        </p:nvPicPr>
+        <p:blipFill>
+          <a:blip r:embed="rId4"/>
+          <a:stretch>
+            <a:fillRect/>
+          </a:stretch>
+        </p:blipFill>
+        <p:spPr>
+          <a:xfrm>
+            <a:off x="5810596" y="1735717"/>
+            <a:ext cx="4612175" cy="1992431"/>
+          </a:xfrm>
+          <a:prstGeom prst="rect">
+            <a:avLst/>
+          </a:prstGeom>
+        </p:spPr>
+      </p:pic>
     </p:spTree>
     <p:extLst>
       <p:ext uri="{BB962C8B-B14F-4D97-AF65-F5344CB8AC3E}">
         <p14:creationId xmlns:p14="http://schemas.microsoft.com/office/powerpoint/2010/main" val="2032732583"/>
+      </p:ext>
+    </p:extLst>
+  </p:cSld>
+  <p:clrMapOvr>
+    <a:masterClrMapping/>
+  </p:clrMapOvr>
+</p:sld>
+</file>
+
+<file path=ppt/slides/slide6.xml><?xml version="1.0" encoding="utf-8"?>
+<p:sld xmlns:a="http://schemas.openxmlformats.org/drawingml/2006/main" xmlns:r="http://schemas.openxmlformats.org/officeDocument/2006/relationships" xmlns:p="http://schemas.openxmlformats.org/presentationml/2006/main">
+  <p:cSld>
+    <p:spTree>
+      <p:nvGrpSpPr>
+        <p:cNvPr id="1" name=""/>
+        <p:cNvGrpSpPr/>
+        <p:nvPr/>
+      </p:nvGrpSpPr>
+      <p:grpSpPr>
+        <a:xfrm>
+          <a:off x="0" y="0"/>
+          <a:ext cx="0" cy="0"/>
+          <a:chOff x="0" y="0"/>
+          <a:chExt cx="0" cy="0"/>
+        </a:xfrm>
+      </p:grpSpPr>
+      <p:sp>
+        <p:nvSpPr>
+          <p:cNvPr id="2" name="文字方塊 1">
+            <a:extLst>
+              <a:ext uri="{FF2B5EF4-FFF2-40B4-BE49-F238E27FC236}">
+                <a16:creationId xmlns:a16="http://schemas.microsoft.com/office/drawing/2014/main" id="{7894354C-A592-43DB-A8F2-48E7417F74A2}"/>
+              </a:ext>
+            </a:extLst>
+          </p:cNvPr>
+          <p:cNvSpPr txBox="1"/>
+          <p:nvPr/>
+        </p:nvSpPr>
+        <p:spPr>
+          <a:xfrm>
+            <a:off x="740549" y="1490040"/>
+            <a:ext cx="3657600" cy="2862322"/>
+          </a:xfrm>
+          <a:prstGeom prst="rect">
+            <a:avLst/>
+          </a:prstGeom>
+          <a:noFill/>
+        </p:spPr>
+        <p:txBody>
+          <a:bodyPr wrap="square" rtlCol="0">
+            <a:spAutoFit/>
+          </a:bodyPr>
+          <a:lstStyle/>
+          <a:p>
+            <a:r>
+              <a:rPr lang="zh-TW" altLang="en-US" dirty="0"/>
+              <a:t>完整流程</a:t>
+            </a:r>
+            <a:endParaRPr lang="en-US" altLang="zh-TW" dirty="0"/>
+          </a:p>
+          <a:p>
+            <a:endParaRPr lang="en-US" altLang="zh-TW" dirty="0"/>
+          </a:p>
+          <a:p>
+            <a:r>
+              <a:rPr lang="en-US" altLang="zh-TW" dirty="0"/>
+              <a:t>1. </a:t>
+            </a:r>
+            <a:r>
+              <a:rPr lang="zh-TW" altLang="en-US" dirty="0">
+                <a:solidFill>
+                  <a:srgbClr val="FF0000"/>
+                </a:solidFill>
+              </a:rPr>
+              <a:t>先確定 </a:t>
+            </a:r>
+            <a:r>
+              <a:rPr lang="en-US" altLang="zh-TW" dirty="0" err="1">
+                <a:solidFill>
+                  <a:srgbClr val="FF0000"/>
+                </a:solidFill>
+              </a:rPr>
+              <a:t>lnk</a:t>
+            </a:r>
+            <a:r>
+              <a:rPr lang="en-US" altLang="zh-TW" dirty="0">
+                <a:solidFill>
+                  <a:srgbClr val="FF0000"/>
+                </a:solidFill>
+              </a:rPr>
+              <a:t> </a:t>
+            </a:r>
+            <a:r>
+              <a:rPr lang="zh-TW" altLang="en-US" dirty="0">
+                <a:solidFill>
+                  <a:srgbClr val="FF0000"/>
+                </a:solidFill>
+              </a:rPr>
+              <a:t>所指向的原始檔案未被刪除</a:t>
+            </a:r>
+            <a:r>
+              <a:rPr lang="en-US" altLang="zh-TW" dirty="0">
+                <a:solidFill>
+                  <a:srgbClr val="FF0000"/>
+                </a:solidFill>
+              </a:rPr>
+              <a:t>, </a:t>
+            </a:r>
+            <a:r>
+              <a:rPr lang="zh-TW" altLang="en-US" dirty="0">
+                <a:solidFill>
+                  <a:srgbClr val="FF0000"/>
+                </a:solidFill>
+              </a:rPr>
+              <a:t>若原始檔案以被刪除則刪除捷徑</a:t>
+            </a:r>
+            <a:endParaRPr lang="en-US" altLang="zh-TW" dirty="0">
+              <a:solidFill>
+                <a:srgbClr val="FF0000"/>
+              </a:solidFill>
+            </a:endParaRPr>
+          </a:p>
+          <a:p>
+            <a:endParaRPr lang="en-US" altLang="zh-TW" dirty="0"/>
+          </a:p>
+          <a:p>
+            <a:r>
+              <a:rPr lang="en-US" altLang="zh-TW" dirty="0"/>
+              <a:t>2. </a:t>
+            </a:r>
+            <a:r>
+              <a:rPr lang="zh-TW" altLang="en-US" dirty="0"/>
+              <a:t>監聽 每</a:t>
+            </a:r>
+            <a:r>
+              <a:rPr lang="en-US" altLang="zh-TW" dirty="0"/>
+              <a:t>1</a:t>
+            </a:r>
+            <a:r>
+              <a:rPr lang="zh-TW" altLang="en-US" dirty="0"/>
+              <a:t>分鐘監聽</a:t>
+            </a:r>
+            <a:r>
+              <a:rPr lang="en-US" altLang="zh-TW" dirty="0"/>
+              <a:t>“</a:t>
+            </a:r>
+            <a:r>
+              <a:rPr lang="zh-TW" altLang="en-US" dirty="0"/>
+              <a:t>原始檔案</a:t>
+            </a:r>
+            <a:r>
+              <a:rPr lang="en-US" altLang="zh-TW" dirty="0"/>
+              <a:t>” </a:t>
+            </a:r>
+            <a:r>
+              <a:rPr lang="zh-TW" altLang="en-US" dirty="0"/>
+              <a:t>修改時間</a:t>
+            </a:r>
+            <a:endParaRPr lang="en-US" altLang="zh-TW" dirty="0"/>
+          </a:p>
+          <a:p>
+            <a:endParaRPr lang="en-US" altLang="zh-TW" dirty="0"/>
+          </a:p>
+          <a:p>
+            <a:r>
+              <a:rPr lang="en-US" altLang="zh-TW" dirty="0"/>
+              <a:t>3. </a:t>
+            </a:r>
+            <a:endParaRPr lang="zh-TW" altLang="en-US" dirty="0"/>
+          </a:p>
+        </p:txBody>
+      </p:sp>
+      <p:sp>
+        <p:nvSpPr>
+          <p:cNvPr id="3" name="文字方塊 2">
+            <a:extLst>
+              <a:ext uri="{FF2B5EF4-FFF2-40B4-BE49-F238E27FC236}">
+                <a16:creationId xmlns:a16="http://schemas.microsoft.com/office/drawing/2014/main" id="{CF89D8D5-7C13-4FA5-BDFB-79F7494BD824}"/>
+              </a:ext>
+            </a:extLst>
+          </p:cNvPr>
+          <p:cNvSpPr txBox="1"/>
+          <p:nvPr/>
+        </p:nvSpPr>
+        <p:spPr>
+          <a:xfrm>
+            <a:off x="2588565" y="5812866"/>
+            <a:ext cx="3657600" cy="646331"/>
+          </a:xfrm>
+          <a:prstGeom prst="rect">
+            <a:avLst/>
+          </a:prstGeom>
+          <a:noFill/>
+        </p:spPr>
+        <p:txBody>
+          <a:bodyPr wrap="square" rtlCol="0">
+            <a:spAutoFit/>
+          </a:bodyPr>
+          <a:lstStyle/>
+          <a:p>
+            <a:r>
+              <a:rPr lang="zh-TW" altLang="en-US" dirty="0"/>
+              <a:t>各自動作要在那一個 </a:t>
+            </a:r>
+            <a:r>
+              <a:rPr lang="en-US" altLang="zh-TW" dirty="0"/>
+              <a:t>part </a:t>
+            </a:r>
+            <a:r>
+              <a:rPr lang="zh-TW" altLang="en-US" dirty="0"/>
+              <a:t>做 ？</a:t>
+            </a:r>
+            <a:endParaRPr lang="en-US" altLang="zh-TW" dirty="0"/>
+          </a:p>
+          <a:p>
+            <a:endParaRPr lang="zh-TW" altLang="en-US" dirty="0"/>
+          </a:p>
+        </p:txBody>
+      </p:sp>
+      <p:sp>
+        <p:nvSpPr>
+          <p:cNvPr id="4" name="文字方塊 3">
+            <a:extLst>
+              <a:ext uri="{FF2B5EF4-FFF2-40B4-BE49-F238E27FC236}">
+                <a16:creationId xmlns:a16="http://schemas.microsoft.com/office/drawing/2014/main" id="{3D12E87F-07AC-4F93-8EDF-C1399E012C5E}"/>
+              </a:ext>
+            </a:extLst>
+          </p:cNvPr>
+          <p:cNvSpPr txBox="1"/>
+          <p:nvPr/>
+        </p:nvSpPr>
+        <p:spPr>
+          <a:xfrm>
+            <a:off x="2569471" y="4683322"/>
+            <a:ext cx="3657600" cy="923330"/>
+          </a:xfrm>
+          <a:prstGeom prst="rect">
+            <a:avLst/>
+          </a:prstGeom>
+          <a:noFill/>
+        </p:spPr>
+        <p:txBody>
+          <a:bodyPr wrap="square" rtlCol="0">
+            <a:spAutoFit/>
+          </a:bodyPr>
+          <a:lstStyle/>
+          <a:p>
+            <a:r>
+              <a:rPr lang="en-US" altLang="zh-TW" dirty="0"/>
+              <a:t>Pylnk3.Lnk class </a:t>
+            </a:r>
+            <a:r>
+              <a:rPr lang="zh-TW" altLang="en-US" dirty="0"/>
+              <a:t>難以重新建立（多次用到非自身 函數，且無法替代。）</a:t>
+            </a:r>
+          </a:p>
+        </p:txBody>
+      </p:sp>
+      <p:cxnSp>
+        <p:nvCxnSpPr>
+          <p:cNvPr id="6" name="直線單箭頭接點 5">
+            <a:extLst>
+              <a:ext uri="{FF2B5EF4-FFF2-40B4-BE49-F238E27FC236}">
+                <a16:creationId xmlns:a16="http://schemas.microsoft.com/office/drawing/2014/main" id="{E7FC3386-123C-4DC3-94FC-DA1091129CB5}"/>
+              </a:ext>
+            </a:extLst>
+          </p:cNvPr>
+          <p:cNvCxnSpPr/>
+          <p:nvPr/>
+        </p:nvCxnSpPr>
+        <p:spPr>
+          <a:xfrm flipH="1" flipV="1">
+            <a:off x="4871258" y="2782702"/>
+            <a:ext cx="1305098" cy="409385"/>
+          </a:xfrm>
+          <a:prstGeom prst="straightConnector1">
+            <a:avLst/>
+          </a:prstGeom>
+          <a:ln>
+            <a:tailEnd type="triangle"/>
+          </a:ln>
+        </p:spPr>
+        <p:style>
+          <a:lnRef idx="1">
+            <a:schemeClr val="accent1"/>
+          </a:lnRef>
+          <a:fillRef idx="0">
+            <a:schemeClr val="accent1"/>
+          </a:fillRef>
+          <a:effectRef idx="0">
+            <a:schemeClr val="accent1"/>
+          </a:effectRef>
+          <a:fontRef idx="minor">
+            <a:schemeClr val="tx1"/>
+          </a:fontRef>
+        </p:style>
+      </p:cxnSp>
+      <p:sp>
+        <p:nvSpPr>
+          <p:cNvPr id="7" name="文字方塊 6">
+            <a:extLst>
+              <a:ext uri="{FF2B5EF4-FFF2-40B4-BE49-F238E27FC236}">
+                <a16:creationId xmlns:a16="http://schemas.microsoft.com/office/drawing/2014/main" id="{A053B5A0-508A-49DA-9718-A88F0C925A44}"/>
+              </a:ext>
+            </a:extLst>
+          </p:cNvPr>
+          <p:cNvSpPr txBox="1"/>
+          <p:nvPr/>
+        </p:nvSpPr>
+        <p:spPr>
+          <a:xfrm>
+            <a:off x="6176356" y="3151564"/>
+            <a:ext cx="3657600" cy="646331"/>
+          </a:xfrm>
+          <a:prstGeom prst="rect">
+            <a:avLst/>
+          </a:prstGeom>
+          <a:noFill/>
+        </p:spPr>
+        <p:txBody>
+          <a:bodyPr wrap="square" rtlCol="0">
+            <a:spAutoFit/>
+          </a:bodyPr>
+          <a:lstStyle/>
+          <a:p>
+            <a:r>
+              <a:rPr lang="zh-TW" altLang="en-US" dirty="0"/>
+              <a:t>是否在 </a:t>
+            </a:r>
+            <a:r>
+              <a:rPr lang="en-US" altLang="zh-TW" dirty="0"/>
+              <a:t>class </a:t>
+            </a:r>
+            <a:r>
+              <a:rPr lang="en-US" altLang="zh-TW" dirty="0" err="1"/>
+              <a:t>FileLnk</a:t>
+            </a:r>
+            <a:r>
+              <a:rPr lang="en-US" altLang="zh-TW" dirty="0"/>
+              <a:t> </a:t>
+            </a:r>
+            <a:r>
+              <a:rPr lang="zh-TW" altLang="en-US" dirty="0"/>
+              <a:t>外 ？</a:t>
+            </a:r>
+            <a:endParaRPr lang="en-US" altLang="zh-TW" dirty="0"/>
+          </a:p>
+          <a:p>
+            <a:r>
+              <a:rPr lang="zh-TW" altLang="en-US" dirty="0"/>
+              <a:t>要監聽一定要建立 </a:t>
+            </a:r>
+            <a:r>
+              <a:rPr lang="en-US" altLang="zh-TW" dirty="0"/>
+              <a:t>class </a:t>
+            </a:r>
+            <a:r>
+              <a:rPr lang="en-US" altLang="zh-TW" dirty="0" err="1"/>
+              <a:t>Lnk</a:t>
+            </a:r>
+            <a:r>
+              <a:rPr lang="en-US" altLang="zh-TW" dirty="0"/>
+              <a:t>:</a:t>
+            </a:r>
+            <a:endParaRPr lang="zh-TW" altLang="en-US" dirty="0"/>
+          </a:p>
+        </p:txBody>
+      </p:sp>
+      <p:sp>
+        <p:nvSpPr>
+          <p:cNvPr id="8" name="文字方塊 7">
+            <a:extLst>
+              <a:ext uri="{FF2B5EF4-FFF2-40B4-BE49-F238E27FC236}">
+                <a16:creationId xmlns:a16="http://schemas.microsoft.com/office/drawing/2014/main" id="{B2921F9C-4A48-4F14-9849-130E901156EE}"/>
+              </a:ext>
+            </a:extLst>
+          </p:cNvPr>
+          <p:cNvSpPr txBox="1"/>
+          <p:nvPr/>
+        </p:nvSpPr>
+        <p:spPr>
+          <a:xfrm>
+            <a:off x="3304903" y="927779"/>
+            <a:ext cx="3657600" cy="646331"/>
+          </a:xfrm>
+          <a:prstGeom prst="rect">
+            <a:avLst/>
+          </a:prstGeom>
+          <a:noFill/>
+        </p:spPr>
+        <p:txBody>
+          <a:bodyPr wrap="square" rtlCol="0">
+            <a:spAutoFit/>
+          </a:bodyPr>
+          <a:lstStyle/>
+          <a:p>
+            <a:r>
+              <a:rPr lang="zh-TW" altLang="en-US" dirty="0">
+                <a:highlight>
+                  <a:srgbClr val="FFFF00"/>
+                </a:highlight>
+              </a:rPr>
+              <a:t>一定要建立 </a:t>
+            </a:r>
+            <a:r>
+              <a:rPr lang="en-US" altLang="zh-TW" dirty="0" err="1">
+                <a:highlight>
+                  <a:srgbClr val="FFFF00"/>
+                </a:highlight>
+              </a:rPr>
+              <a:t>lnk</a:t>
+            </a:r>
+            <a:r>
+              <a:rPr lang="en-US" altLang="zh-TW" dirty="0">
+                <a:highlight>
+                  <a:srgbClr val="FFFF00"/>
+                </a:highlight>
+              </a:rPr>
+              <a:t> </a:t>
+            </a:r>
+            <a:r>
+              <a:rPr lang="zh-TW" altLang="en-US" dirty="0">
+                <a:highlight>
+                  <a:srgbClr val="FFFF00"/>
+                </a:highlight>
+              </a:rPr>
+              <a:t>才有辦法看原始檔的位置，所以一定要有 </a:t>
+            </a:r>
+            <a:r>
+              <a:rPr lang="en-US" altLang="zh-TW" dirty="0" err="1">
+                <a:highlight>
+                  <a:srgbClr val="FFFF00"/>
+                </a:highlight>
+              </a:rPr>
+              <a:t>lnk_obj</a:t>
+            </a:r>
+            <a:endParaRPr lang="zh-TW" altLang="en-US" dirty="0">
+              <a:highlight>
+                <a:srgbClr val="FFFF00"/>
+              </a:highlight>
+            </a:endParaRPr>
+          </a:p>
+        </p:txBody>
+      </p:sp>
+      <p:grpSp>
+        <p:nvGrpSpPr>
+          <p:cNvPr id="12" name="群組 11">
+            <a:extLst>
+              <a:ext uri="{FF2B5EF4-FFF2-40B4-BE49-F238E27FC236}">
+                <a16:creationId xmlns:a16="http://schemas.microsoft.com/office/drawing/2014/main" id="{844017FF-5509-4282-BB72-0D24C7D1869E}"/>
+              </a:ext>
+            </a:extLst>
+          </p:cNvPr>
+          <p:cNvGrpSpPr/>
+          <p:nvPr/>
+        </p:nvGrpSpPr>
+        <p:grpSpPr>
+          <a:xfrm>
+            <a:off x="7401098" y="4616221"/>
+            <a:ext cx="4354926" cy="1888190"/>
+            <a:chOff x="391886" y="4633634"/>
+            <a:chExt cx="4354926" cy="1888190"/>
+          </a:xfrm>
+        </p:grpSpPr>
+        <p:sp>
+          <p:nvSpPr>
+            <p:cNvPr id="9" name="文字方塊 8">
+              <a:extLst>
+                <a:ext uri="{FF2B5EF4-FFF2-40B4-BE49-F238E27FC236}">
+                  <a16:creationId xmlns:a16="http://schemas.microsoft.com/office/drawing/2014/main" id="{0AAF31AE-334A-4DBE-9A73-9CF678870D33}"/>
+                </a:ext>
+              </a:extLst>
+            </p:cNvPr>
+            <p:cNvSpPr txBox="1"/>
+            <p:nvPr/>
+          </p:nvSpPr>
+          <p:spPr>
+            <a:xfrm>
+              <a:off x="565836" y="4746480"/>
+              <a:ext cx="3657600" cy="369332"/>
+            </a:xfrm>
+            <a:prstGeom prst="rect">
+              <a:avLst/>
+            </a:prstGeom>
+            <a:noFill/>
+          </p:spPr>
+          <p:txBody>
+            <a:bodyPr wrap="square" rtlCol="0">
+              <a:spAutoFit/>
+            </a:bodyPr>
+            <a:lstStyle/>
+            <a:p>
+              <a:r>
+                <a:rPr lang="zh-TW" altLang="en-US" dirty="0"/>
+                <a:t>一個檔案名對一個 </a:t>
+              </a:r>
+              <a:r>
+                <a:rPr lang="en-US" altLang="zh-TW" dirty="0"/>
+                <a:t>class </a:t>
+              </a:r>
+              <a:r>
+                <a:rPr lang="en-US" altLang="zh-TW" dirty="0" err="1"/>
+                <a:t>FileLnk</a:t>
+              </a:r>
+              <a:endParaRPr lang="zh-TW" altLang="en-US" dirty="0"/>
+            </a:p>
+          </p:txBody>
+        </p:sp>
+        <p:sp>
+          <p:nvSpPr>
+            <p:cNvPr id="10" name="文字方塊 9">
+              <a:extLst>
+                <a:ext uri="{FF2B5EF4-FFF2-40B4-BE49-F238E27FC236}">
+                  <a16:creationId xmlns:a16="http://schemas.microsoft.com/office/drawing/2014/main" id="{75267B0D-54B3-4BD2-8596-05F8F655805A}"/>
+                </a:ext>
+              </a:extLst>
+            </p:cNvPr>
+            <p:cNvSpPr txBox="1"/>
+            <p:nvPr/>
+          </p:nvSpPr>
+          <p:spPr>
+            <a:xfrm>
+              <a:off x="538843" y="5183948"/>
+              <a:ext cx="3657600" cy="646331"/>
+            </a:xfrm>
+            <a:prstGeom prst="rect">
+              <a:avLst/>
+            </a:prstGeom>
+            <a:noFill/>
+          </p:spPr>
+          <p:txBody>
+            <a:bodyPr wrap="square" rtlCol="0">
+              <a:spAutoFit/>
+            </a:bodyPr>
+            <a:lstStyle/>
+            <a:p>
+              <a:r>
+                <a:rPr lang="zh-TW" altLang="en-US" dirty="0">
+                  <a:highlight>
+                    <a:srgbClr val="FFFF00"/>
+                  </a:highlight>
+                </a:rPr>
+                <a:t>或是應該要一個原始檔路徑對一個 </a:t>
+              </a:r>
+              <a:r>
+                <a:rPr lang="en-US" altLang="zh-TW" dirty="0" err="1">
+                  <a:highlight>
+                    <a:srgbClr val="FFFF00"/>
+                  </a:highlight>
+                </a:rPr>
+                <a:t>FileLnk</a:t>
+              </a:r>
+              <a:endParaRPr lang="zh-TW" altLang="en-US" dirty="0">
+                <a:highlight>
+                  <a:srgbClr val="FFFF00"/>
+                </a:highlight>
+              </a:endParaRPr>
+            </a:p>
+          </p:txBody>
+        </p:sp>
+        <p:sp>
+          <p:nvSpPr>
+            <p:cNvPr id="11" name="矩形 10">
+              <a:extLst>
+                <a:ext uri="{FF2B5EF4-FFF2-40B4-BE49-F238E27FC236}">
+                  <a16:creationId xmlns:a16="http://schemas.microsoft.com/office/drawing/2014/main" id="{0658ACA4-FC15-40A8-9015-40240C8873EE}"/>
+                </a:ext>
+              </a:extLst>
+            </p:cNvPr>
+            <p:cNvSpPr/>
+            <p:nvPr/>
+          </p:nvSpPr>
+          <p:spPr>
+            <a:xfrm>
+              <a:off x="391886" y="4633634"/>
+              <a:ext cx="4354926" cy="1888190"/>
+            </a:xfrm>
+            <a:prstGeom prst="rect">
+              <a:avLst/>
+            </a:prstGeom>
+            <a:noFill/>
+            <a:ln w="76200">
+              <a:solidFill>
+                <a:srgbClr val="00B050"/>
+              </a:solidFill>
+            </a:ln>
+          </p:spPr>
+          <p:style>
+            <a:lnRef idx="2">
+              <a:schemeClr val="accent1">
+                <a:shade val="50000"/>
+              </a:schemeClr>
+            </a:lnRef>
+            <a:fillRef idx="1">
+              <a:schemeClr val="accent1"/>
+            </a:fillRef>
+            <a:effectRef idx="0">
+              <a:schemeClr val="accent1"/>
+            </a:effectRef>
+            <a:fontRef idx="minor">
+              <a:schemeClr val="lt1"/>
+            </a:fontRef>
+          </p:style>
+          <p:txBody>
+            <a:bodyPr rtlCol="0" anchor="ctr"/>
+            <a:lstStyle/>
+            <a:p>
+              <a:pPr algn="ctr"/>
+              <a:endParaRPr lang="zh-TW" altLang="en-US"/>
+            </a:p>
+          </p:txBody>
+        </p:sp>
+        <p:sp>
+          <p:nvSpPr>
+            <p:cNvPr id="13" name="文字方塊 12">
+              <a:extLst>
+                <a:ext uri="{FF2B5EF4-FFF2-40B4-BE49-F238E27FC236}">
+                  <a16:creationId xmlns:a16="http://schemas.microsoft.com/office/drawing/2014/main" id="{511F4610-3EA4-4BF4-BF41-A691F21A56CC}"/>
+                </a:ext>
+              </a:extLst>
+            </p:cNvPr>
+            <p:cNvSpPr txBox="1"/>
+            <p:nvPr/>
+          </p:nvSpPr>
+          <p:spPr>
+            <a:xfrm>
+              <a:off x="765423" y="5830278"/>
+              <a:ext cx="3657600" cy="646331"/>
+            </a:xfrm>
+            <a:prstGeom prst="rect">
+              <a:avLst/>
+            </a:prstGeom>
+            <a:noFill/>
+          </p:spPr>
+          <p:txBody>
+            <a:bodyPr wrap="square" rtlCol="0">
+              <a:spAutoFit/>
+            </a:bodyPr>
+            <a:lstStyle/>
+            <a:p>
+              <a:r>
+                <a:rPr lang="zh-TW" altLang="en-US" dirty="0"/>
+                <a:t>先撇除多個同檔名不同原始檔案路徑的情況</a:t>
+              </a:r>
+            </a:p>
+          </p:txBody>
+        </p:sp>
+      </p:grpSp>
+    </p:spTree>
+    <p:extLst>
+      <p:ext uri="{BB962C8B-B14F-4D97-AF65-F5344CB8AC3E}">
+        <p14:creationId xmlns:p14="http://schemas.microsoft.com/office/powerpoint/2010/main" val="482524729"/>
+      </p:ext>
+    </p:extLst>
+  </p:cSld>
+  <p:clrMapOvr>
+    <a:masterClrMapping/>
+  </p:clrMapOvr>
+</p:sld>
+</file>
+
+<file path=ppt/slides/slide7.xml><?xml version="1.0" encoding="utf-8"?>
+<p:sld xmlns:a="http://schemas.openxmlformats.org/drawingml/2006/main" xmlns:r="http://schemas.openxmlformats.org/officeDocument/2006/relationships" xmlns:p="http://schemas.openxmlformats.org/presentationml/2006/main">
+  <p:cSld>
+    <p:spTree>
+      <p:nvGrpSpPr>
+        <p:cNvPr id="1" name=""/>
+        <p:cNvGrpSpPr/>
+        <p:nvPr/>
+      </p:nvGrpSpPr>
+      <p:grpSpPr>
+        <a:xfrm>
+          <a:off x="0" y="0"/>
+          <a:ext cx="0" cy="0"/>
+          <a:chOff x="0" y="0"/>
+          <a:chExt cx="0" cy="0"/>
+        </a:xfrm>
+      </p:grpSpPr>
+      <p:sp>
+        <p:nvSpPr>
+          <p:cNvPr id="14" name="文字方塊 13">
+            <a:extLst>
+              <a:ext uri="{FF2B5EF4-FFF2-40B4-BE49-F238E27FC236}">
+                <a16:creationId xmlns:a16="http://schemas.microsoft.com/office/drawing/2014/main" id="{C025E8C0-5528-4FDE-AD96-9FFFD92F0F1B}"/>
+              </a:ext>
+            </a:extLst>
+          </p:cNvPr>
+          <p:cNvSpPr txBox="1"/>
+          <p:nvPr/>
+        </p:nvSpPr>
+        <p:spPr>
+          <a:xfrm>
+            <a:off x="3304903" y="927779"/>
+            <a:ext cx="3657600" cy="1200329"/>
+          </a:xfrm>
+          <a:prstGeom prst="rect">
+            <a:avLst/>
+          </a:prstGeom>
+          <a:noFill/>
+        </p:spPr>
+        <p:txBody>
+          <a:bodyPr wrap="square" rtlCol="0">
+            <a:spAutoFit/>
+          </a:bodyPr>
+          <a:lstStyle/>
+          <a:p>
+            <a:r>
+              <a:rPr lang="en-US" altLang="zh-TW" dirty="0" err="1">
+                <a:highlight>
+                  <a:srgbClr val="FFFF00"/>
+                </a:highlight>
+              </a:rPr>
+              <a:t>Self.set_path</a:t>
+            </a:r>
+            <a:endParaRPr lang="en-US" altLang="zh-TW" dirty="0">
+              <a:highlight>
+                <a:srgbClr val="FFFF00"/>
+              </a:highlight>
+            </a:endParaRPr>
+          </a:p>
+          <a:p>
+            <a:endParaRPr lang="en-US" altLang="zh-TW" dirty="0">
+              <a:highlight>
+                <a:srgbClr val="FFFF00"/>
+              </a:highlight>
+            </a:endParaRPr>
+          </a:p>
+          <a:p>
+            <a:r>
+              <a:rPr lang="en-US" altLang="zh-TW" dirty="0" err="1">
+                <a:highlight>
+                  <a:srgbClr val="FFFF00"/>
+                </a:highlight>
+              </a:rPr>
+              <a:t>Work_dir</a:t>
+            </a:r>
+            <a:r>
+              <a:rPr lang="en-US" altLang="zh-TW" dirty="0">
+                <a:highlight>
+                  <a:srgbClr val="FFFF00"/>
+                </a:highlight>
+              </a:rPr>
+              <a:t> </a:t>
+            </a:r>
+            <a:r>
+              <a:rPr lang="zh-TW" altLang="en-US" dirty="0">
+                <a:highlight>
+                  <a:srgbClr val="FFFF00"/>
+                </a:highlight>
+              </a:rPr>
+              <a:t>若檔案不存在會直接回傳</a:t>
+            </a:r>
+            <a:r>
+              <a:rPr lang="en-US" altLang="zh-TW" dirty="0">
+                <a:highlight>
+                  <a:srgbClr val="FFFF00"/>
+                </a:highlight>
+              </a:rPr>
+              <a:t>None</a:t>
+            </a:r>
+            <a:endParaRPr lang="zh-TW" altLang="en-US" dirty="0">
+              <a:highlight>
+                <a:srgbClr val="FFFF00"/>
+              </a:highlight>
+            </a:endParaRPr>
+          </a:p>
+        </p:txBody>
+      </p:sp>
+    </p:spTree>
+    <p:extLst>
+      <p:ext uri="{BB962C8B-B14F-4D97-AF65-F5344CB8AC3E}">
+        <p14:creationId xmlns:p14="http://schemas.microsoft.com/office/powerpoint/2010/main" val="219341675"/>
       </p:ext>
     </p:extLst>
   </p:cSld>
